--- a/Robert/mini-project-2/presentation.pptx
+++ b/Robert/mini-project-2/presentation.pptx
@@ -3605,7 +3605,7 @@
         </p:nvSpPr>
         <p:spPr>
           <a:xfrm>
-            <a:off x="609600" y="1593850"/>
+            <a:off x="603250" y="1593850"/>
             <a:ext cx="10972800" cy="4525963"/>
           </a:xfrm>
         </p:spPr>
@@ -3619,20 +3619,9 @@
             <a:endParaRPr lang="en-US"/>
           </a:p>
           <a:p>
-            <a:endParaRPr lang="en-US"/>
-          </a:p>
-          <a:p>
             <a:r>
               <a:rPr lang="en-US"/>
               <a:t>Approach #1: Only use Test Set (answers predicted to be corrected)</a:t>
-            </a:r>
-            <a:endParaRPr lang="en-US"/>
-          </a:p>
-          <a:p>
-            <a:pPr lvl="1"/>
-            <a:r>
-              <a:rPr lang="en-US"/>
-              <a:t>Training Set too little to “merge” answers properly</a:t>
             </a:r>
             <a:endParaRPr lang="en-US"/>
           </a:p>
@@ -3661,6 +3650,14 @@
             <a:r>
               <a:rPr lang="en-US"/>
               <a:t>Also, we don’t know whether we predicted correctly</a:t>
+            </a:r>
+            <a:endParaRPr lang="en-US"/>
+          </a:p>
+          <a:p>
+            <a:pPr lvl="1"/>
+            <a:r>
+              <a:rPr lang="en-US"/>
+              <a:t>Improvements: Adding more context, target groups, handing over code files </a:t>
             </a:r>
             <a:endParaRPr lang="en-US"/>
           </a:p>
